--- a/documentation/Java training 22- Maven - Documentation.pptx
+++ b/documentation/Java training 22- Maven - Documentation.pptx
@@ -241,7 +241,7 @@
             <a:fld id="{2906F761-BB22-494E-B954-A2579A101DB0}" type="datetime2">
               <a:rPr lang="hu-HU" smtClean="0"/>
               <a:pPr/>
-              <a:t>kedd, 2015. június 30.</a:t>
+              <a:t>szerda, 2015. július 1.</a:t>
             </a:fld>
             <a:endParaRPr lang="hu-HU"/>
           </a:p>
@@ -417,7 +417,7 @@
             <a:fld id="{7D490363-779E-4375-B091-646437D6DAEB}" type="datetime2">
               <a:rPr lang="hu-HU" smtClean="0"/>
               <a:pPr/>
-              <a:t>kedd, 2015. június 30.</a:t>
+              <a:t>szerda, 2015. július 1.</a:t>
             </a:fld>
             <a:endParaRPr lang="hu-HU"/>
           </a:p>
@@ -2949,7 +2949,6 @@
               <a:rPr lang="hu-HU" dirty="0"/>
               <a:t>Java oktatás</a:t>
             </a:r>
-            <a:endParaRPr lang="hu-HU" dirty="0"/>
           </a:p>
         </p:txBody>
       </p:sp>
@@ -3380,6 +3379,13 @@
   <p:clrMapOvr>
     <a:masterClrMapping/>
   </p:clrMapOvr>
+  <p:timing>
+    <p:tnLst>
+      <p:par>
+        <p:cTn id="1" dur="indefinite" restart="never" nodeType="tmRoot"/>
+      </p:par>
+    </p:tnLst>
+  </p:timing>
 </p:sld>
 </file>
 
@@ -3737,6 +3743,13 @@
   <p:clrMapOvr>
     <a:masterClrMapping/>
   </p:clrMapOvr>
+  <p:timing>
+    <p:tnLst>
+      <p:par>
+        <p:cTn id="1" dur="indefinite" restart="never" nodeType="tmRoot"/>
+      </p:par>
+    </p:tnLst>
+  </p:timing>
 </p:sld>
 </file>
 
@@ -4102,6 +4115,13 @@
   <p:clrMapOvr>
     <a:masterClrMapping/>
   </p:clrMapOvr>
+  <p:timing>
+    <p:tnLst>
+      <p:par>
+        <p:cTn id="1" dur="indefinite" restart="never" nodeType="tmRoot"/>
+      </p:par>
+    </p:tnLst>
+  </p:timing>
 </p:sld>
 </file>
 
@@ -5183,6 +5203,13 @@
   <p:clrMapOvr>
     <a:masterClrMapping/>
   </p:clrMapOvr>
+  <p:timing>
+    <p:tnLst>
+      <p:par>
+        <p:cTn id="1" dur="indefinite" restart="never" nodeType="tmRoot"/>
+      </p:par>
+    </p:tnLst>
+  </p:timing>
 </p:sld>
 </file>
 
@@ -5540,6 +5567,13 @@
   <p:clrMapOvr>
     <a:masterClrMapping/>
   </p:clrMapOvr>
+  <p:timing>
+    <p:tnLst>
+      <p:par>
+        <p:cTn id="1" dur="indefinite" restart="never" nodeType="tmRoot"/>
+      </p:par>
+    </p:tnLst>
+  </p:timing>
 </p:sld>
 </file>
 
@@ -5624,7 +5658,7 @@
         </p:nvSpPr>
         <p:spPr>
           <a:xfrm>
-            <a:off x="755576" y="2209428"/>
+            <a:off x="914400" y="2281436"/>
             <a:ext cx="8229600" cy="1083374"/>
           </a:xfrm>
           <a:prstGeom prst="rect">
@@ -5905,6 +5939,13 @@
   <p:clrMapOvr>
     <a:masterClrMapping/>
   </p:clrMapOvr>
+  <p:timing>
+    <p:tnLst>
+      <p:par>
+        <p:cTn id="1" dur="indefinite" restart="never" nodeType="tmRoot"/>
+      </p:par>
+    </p:tnLst>
+  </p:timing>
 </p:sld>
 </file>
 
@@ -6262,6 +6303,13 @@
   <p:clrMapOvr>
     <a:masterClrMapping/>
   </p:clrMapOvr>
+  <p:timing>
+    <p:tnLst>
+      <p:par>
+        <p:cTn id="1" dur="indefinite" restart="never" nodeType="tmRoot"/>
+      </p:par>
+    </p:tnLst>
+  </p:timing>
 </p:sld>
 </file>
 
@@ -6663,6 +6711,13 @@
   <p:clrMapOvr>
     <a:masterClrMapping/>
   </p:clrMapOvr>
+  <p:timing>
+    <p:tnLst>
+      <p:par>
+        <p:cTn id="1" dur="indefinite" restart="never" nodeType="tmRoot"/>
+      </p:par>
+    </p:tnLst>
+  </p:timing>
 </p:sld>
 </file>
 
@@ -7525,15 +7580,6 @@
 </file>
 
 <file path=customXml/item1.xml><?xml version="1.0" encoding="utf-8"?>
-<?mso-contentType ?>
-<FormTemplates xmlns="http://schemas.microsoft.com/sharepoint/v3/contenttype/forms">
-  <Display>DocumentLibraryForm</Display>
-  <Edit>DocumentLibraryForm</Edit>
-  <New>DocumentLibraryForm</New>
-</FormTemplates>
-</file>
-
-<file path=customXml/item2.xml><?xml version="1.0" encoding="utf-8"?>
 <ct:contentTypeSchema xmlns:ct="http://schemas.microsoft.com/office/2006/metadata/contentType" xmlns:ma="http://schemas.microsoft.com/office/2006/metadata/properties/metaAttributes" ct:_="" ma:_="" ma:contentTypeName="Dokumentum" ma:contentTypeID="0x010100A08ADBFDD6856F4A9C75C7A19E8E8B68" ma:contentTypeVersion="0" ma:contentTypeDescription="Új dokumentum létrehozása." ma:contentTypeScope="" ma:versionID="4dd8b60a5bbd2157c64cb02e3ac80a57">
   <xsd:schema xmlns:xsd="http://www.w3.org/2001/XMLSchema" xmlns:xs="http://www.w3.org/2001/XMLSchema" xmlns:p="http://schemas.microsoft.com/office/2006/metadata/properties" targetNamespace="http://schemas.microsoft.com/office/2006/metadata/properties" ma:root="true" ma:fieldsID="7272c3706e31d85aa278778a1025862f">
     <xsd:element name="properties">
@@ -7647,6 +7693,15 @@
 </ct:contentTypeSchema>
 </file>
 
+<file path=customXml/item2.xml><?xml version="1.0" encoding="utf-8"?>
+<?mso-contentType ?>
+<FormTemplates xmlns="http://schemas.microsoft.com/sharepoint/v3/contenttype/forms">
+  <Display>DocumentLibraryForm</Display>
+  <Edit>DocumentLibraryForm</Edit>
+  <New>DocumentLibraryForm</New>
+</FormTemplates>
+</file>
+
 <file path=customXml/item3.xml><?xml version="1.0" encoding="utf-8"?>
 <p:properties xmlns:p="http://schemas.microsoft.com/office/2006/metadata/properties" xmlns:xsi="http://www.w3.org/2001/XMLSchema-instance">
   <documentManagement/>
@@ -7654,14 +7709,6 @@
 </file>
 
 <file path=customXml/itemProps1.xml><?xml version="1.0" encoding="utf-8"?>
-<ds:datastoreItem xmlns:ds="http://schemas.openxmlformats.org/officeDocument/2006/customXml" ds:itemID="{4B563A23-BB56-4346-8666-2E2D4BEB1D89}">
-  <ds:schemaRefs>
-    <ds:schemaRef ds:uri="http://schemas.microsoft.com/sharepoint/v3/contenttype/forms"/>
-  </ds:schemaRefs>
-</ds:datastoreItem>
-</file>
-
-<file path=customXml/itemProps2.xml><?xml version="1.0" encoding="utf-8"?>
 <ds:datastoreItem xmlns:ds="http://schemas.openxmlformats.org/officeDocument/2006/customXml" ds:itemID="{368D4829-138B-47E7-A04A-CBA7A43AE894}">
   <ds:schemaRefs>
     <ds:schemaRef ds:uri="http://schemas.microsoft.com/office/2006/metadata/contentType"/>
@@ -7673,6 +7720,14 @@
     <ds:schemaRef ds:uri="http://purl.org/dc/terms/"/>
     <ds:schemaRef ds:uri="http://schemas.microsoft.com/internal/obd"/>
     <ds:schemaRef ds:uri="http://schemas.microsoft.com/office/infopath/2007/PartnerControls"/>
+  </ds:schemaRefs>
+</ds:datastoreItem>
+</file>
+
+<file path=customXml/itemProps2.xml><?xml version="1.0" encoding="utf-8"?>
+<ds:datastoreItem xmlns:ds="http://schemas.openxmlformats.org/officeDocument/2006/customXml" ds:itemID="{4B563A23-BB56-4346-8666-2E2D4BEB1D89}">
+  <ds:schemaRefs>
+    <ds:schemaRef ds:uri="http://schemas.microsoft.com/sharepoint/v3/contenttype/forms"/>
   </ds:schemaRefs>
 </ds:datastoreItem>
 </file>
